--- a/Muhammet-YILDIZ-1709981_PPTX.pptx
+++ b/Muhammet-YILDIZ-1709981_PPTX.pptx
@@ -5,27 +5,26 @@
     <p:sldMasterId id="2147483673" r:id="rId1"/>
   </p:sldMasterIdLst>
   <p:notesMasterIdLst>
-    <p:notesMasterId r:id="rId20"/>
+    <p:notesMasterId r:id="rId19"/>
   </p:notesMasterIdLst>
   <p:sldIdLst>
     <p:sldId id="256" r:id="rId2"/>
-    <p:sldId id="257" r:id="rId3"/>
-    <p:sldId id="264" r:id="rId4"/>
-    <p:sldId id="258" r:id="rId5"/>
-    <p:sldId id="265" r:id="rId6"/>
-    <p:sldId id="259" r:id="rId7"/>
-    <p:sldId id="268" r:id="rId8"/>
-    <p:sldId id="269" r:id="rId9"/>
-    <p:sldId id="270" r:id="rId10"/>
-    <p:sldId id="271" r:id="rId11"/>
-    <p:sldId id="272" r:id="rId12"/>
-    <p:sldId id="273" r:id="rId13"/>
-    <p:sldId id="274" r:id="rId14"/>
-    <p:sldId id="275" r:id="rId15"/>
-    <p:sldId id="260" r:id="rId16"/>
-    <p:sldId id="261" r:id="rId17"/>
-    <p:sldId id="262" r:id="rId18"/>
-    <p:sldId id="263" r:id="rId19"/>
+    <p:sldId id="264" r:id="rId3"/>
+    <p:sldId id="258" r:id="rId4"/>
+    <p:sldId id="265" r:id="rId5"/>
+    <p:sldId id="259" r:id="rId6"/>
+    <p:sldId id="268" r:id="rId7"/>
+    <p:sldId id="269" r:id="rId8"/>
+    <p:sldId id="270" r:id="rId9"/>
+    <p:sldId id="271" r:id="rId10"/>
+    <p:sldId id="272" r:id="rId11"/>
+    <p:sldId id="273" r:id="rId12"/>
+    <p:sldId id="274" r:id="rId13"/>
+    <p:sldId id="275" r:id="rId14"/>
+    <p:sldId id="260" r:id="rId15"/>
+    <p:sldId id="261" r:id="rId16"/>
+    <p:sldId id="262" r:id="rId17"/>
+    <p:sldId id="263" r:id="rId18"/>
   </p:sldIdLst>
   <p:sldSz cx="9144000" cy="5143500" type="screen16x9"/>
   <p:notesSz cx="6858000" cy="9144000"/>
@@ -693,110 +692,6 @@
   <p:cSld>
     <p:spTree>
       <p:nvGrpSpPr>
-        <p:cNvPr id="1" name="Shape 56"/>
-        <p:cNvGrpSpPr/>
-        <p:nvPr/>
-      </p:nvGrpSpPr>
-      <p:grpSpPr>
-        <a:xfrm>
-          <a:off x="0" y="0"/>
-          <a:ext cx="0" cy="0"/>
-          <a:chOff x="0" y="0"/>
-          <a:chExt cx="0" cy="0"/>
-        </a:xfrm>
-      </p:grpSpPr>
-      <p:sp>
-        <p:nvSpPr>
-          <p:cNvPr id="57" name="Google Shape;57;g2d135773ad2_0_0:notes"/>
-          <p:cNvSpPr>
-            <a:spLocks noGrp="1" noRot="1" noChangeAspect="1"/>
-          </p:cNvSpPr>
-          <p:nvPr>
-            <p:ph type="sldImg" idx="2"/>
-          </p:nvPr>
-        </p:nvSpPr>
-        <p:spPr>
-          <a:xfrm>
-            <a:off x="381000" y="685800"/>
-            <a:ext cx="6096000" cy="3429000"/>
-          </a:xfrm>
-          <a:custGeom>
-            <a:avLst/>
-            <a:gdLst/>
-            <a:ahLst/>
-            <a:cxnLst/>
-            <a:rect l="l" t="t" r="r" b="b"/>
-            <a:pathLst>
-              <a:path w="120000" h="120000" extrusionOk="0">
-                <a:moveTo>
-                  <a:pt x="0" y="0"/>
-                </a:moveTo>
-                <a:lnTo>
-                  <a:pt x="120000" y="0"/>
-                </a:lnTo>
-                <a:lnTo>
-                  <a:pt x="120000" y="120000"/>
-                </a:lnTo>
-                <a:lnTo>
-                  <a:pt x="0" y="120000"/>
-                </a:lnTo>
-                <a:close/>
-              </a:path>
-            </a:pathLst>
-          </a:custGeom>
-        </p:spPr>
-      </p:sp>
-      <p:sp>
-        <p:nvSpPr>
-          <p:cNvPr id="58" name="Google Shape;58;g2d135773ad2_0_0:notes"/>
-          <p:cNvSpPr txBox="1">
-            <a:spLocks noGrp="1"/>
-          </p:cNvSpPr>
-          <p:nvPr>
-            <p:ph type="body" idx="1"/>
-          </p:nvPr>
-        </p:nvSpPr>
-        <p:spPr>
-          <a:xfrm>
-            <a:off x="685800" y="4343400"/>
-            <a:ext cx="5486400" cy="4114800"/>
-          </a:xfrm>
-          <a:prstGeom prst="rect">
-            <a:avLst/>
-          </a:prstGeom>
-        </p:spPr>
-        <p:txBody>
-          <a:bodyPr spcFirstLastPara="1" wrap="square" lIns="91425" tIns="91425" rIns="91425" bIns="91425" anchor="t" anchorCtr="0">
-            <a:noAutofit/>
-          </a:bodyPr>
-          <a:lstStyle/>
-          <a:p>
-            <a:pPr marL="0" lvl="0" indent="0" algn="l" rtl="0">
-              <a:spcBef>
-                <a:spcPts val="0"/>
-              </a:spcBef>
-              <a:spcAft>
-                <a:spcPts val="0"/>
-              </a:spcAft>
-              <a:buNone/>
-            </a:pPr>
-            <a:endParaRPr/>
-          </a:p>
-        </p:txBody>
-      </p:sp>
-    </p:spTree>
-  </p:cSld>
-  <p:clrMapOvr>
-    <a:masterClrMapping/>
-  </p:clrMapOvr>
-</p:notes>
-</file>
-
-<file path=ppt/notesSlides/notesSlide3.xml><?xml version="1.0" encoding="utf-8"?>
-<p:notes xmlns:a="http://schemas.openxmlformats.org/drawingml/2006/main" xmlns:r="http://schemas.openxmlformats.org/officeDocument/2006/relationships" xmlns:p="http://schemas.openxmlformats.org/presentationml/2006/main" showMasterSp="0" showMasterPhAnim="0">
-  <p:cSld>
-    <p:spTree>
-      <p:nvGrpSpPr>
         <p:cNvPr id="1" name="Shape 62"/>
         <p:cNvGrpSpPr/>
         <p:nvPr/>
@@ -896,7 +791,7 @@
 </p:notes>
 </file>
 
-<file path=ppt/notesSlides/notesSlide4.xml><?xml version="1.0" encoding="utf-8"?>
+<file path=ppt/notesSlides/notesSlide3.xml><?xml version="1.0" encoding="utf-8"?>
 <p:notes xmlns:a="http://schemas.openxmlformats.org/drawingml/2006/main" xmlns:r="http://schemas.openxmlformats.org/officeDocument/2006/relationships" xmlns:p="http://schemas.openxmlformats.org/presentationml/2006/main" showMasterSp="0" showMasterPhAnim="0">
   <p:cSld>
     <p:spTree>
@@ -1000,7 +895,7 @@
 </p:notes>
 </file>
 
-<file path=ppt/notesSlides/notesSlide5.xml><?xml version="1.0" encoding="utf-8"?>
+<file path=ppt/notesSlides/notesSlide4.xml><?xml version="1.0" encoding="utf-8"?>
 <p:notes xmlns:a="http://schemas.openxmlformats.org/drawingml/2006/main" xmlns:r="http://schemas.openxmlformats.org/officeDocument/2006/relationships" xmlns:p="http://schemas.openxmlformats.org/presentationml/2006/main" showMasterSp="0" showMasterPhAnim="0">
   <p:cSld>
     <p:spTree>
@@ -1104,7 +999,7 @@
 </p:notes>
 </file>
 
-<file path=ppt/notesSlides/notesSlide6.xml><?xml version="1.0" encoding="utf-8"?>
+<file path=ppt/notesSlides/notesSlide5.xml><?xml version="1.0" encoding="utf-8"?>
 <p:notes xmlns:a="http://schemas.openxmlformats.org/drawingml/2006/main" xmlns:r="http://schemas.openxmlformats.org/officeDocument/2006/relationships" xmlns:p="http://schemas.openxmlformats.org/presentationml/2006/main" showMasterSp="0" showMasterPhAnim="0">
   <p:cSld>
     <p:spTree>
@@ -1208,7 +1103,7 @@
 </p:notes>
 </file>
 
-<file path=ppt/notesSlides/notesSlide7.xml><?xml version="1.0" encoding="utf-8"?>
+<file path=ppt/notesSlides/notesSlide6.xml><?xml version="1.0" encoding="utf-8"?>
 <p:notes xmlns:a="http://schemas.openxmlformats.org/drawingml/2006/main" xmlns:r="http://schemas.openxmlformats.org/officeDocument/2006/relationships" xmlns:p="http://schemas.openxmlformats.org/presentationml/2006/main" showMasterSp="0" showMasterPhAnim="0">
   <p:cSld>
     <p:spTree>
@@ -1312,7 +1207,7 @@
 </p:notes>
 </file>
 
-<file path=ppt/notesSlides/notesSlide8.xml><?xml version="1.0" encoding="utf-8"?>
+<file path=ppt/notesSlides/notesSlide7.xml><?xml version="1.0" encoding="utf-8"?>
 <p:notes xmlns:a="http://schemas.openxmlformats.org/drawingml/2006/main" xmlns:r="http://schemas.openxmlformats.org/officeDocument/2006/relationships" xmlns:p="http://schemas.openxmlformats.org/presentationml/2006/main" showMasterSp="0" showMasterPhAnim="0">
   <p:cSld>
     <p:spTree>
@@ -5393,202 +5288,6 @@
           <p:cNvPr id="3" name="Text Placeholder 2">
             <a:extLst>
               <a:ext uri="{FF2B5EF4-FFF2-40B4-BE49-F238E27FC236}">
-                <a16:creationId xmlns:a16="http://schemas.microsoft.com/office/drawing/2014/main" id="{8011522A-8681-48B8-FCA0-55DF9A4329DC}"/>
-              </a:ext>
-            </a:extLst>
-          </p:cNvPr>
-          <p:cNvSpPr>
-            <a:spLocks noGrp="1"/>
-          </p:cNvSpPr>
-          <p:nvPr>
-            <p:ph type="body" idx="1"/>
-          </p:nvPr>
-        </p:nvSpPr>
-        <p:spPr>
-          <a:xfrm>
-            <a:off x="4500928" y="546419"/>
-            <a:ext cx="4260300" cy="3416400"/>
-          </a:xfrm>
-        </p:spPr>
-        <p:txBody>
-          <a:bodyPr>
-            <a:normAutofit fontScale="85000" lnSpcReduction="20000"/>
-          </a:bodyPr>
-          <a:lstStyle/>
-          <a:p>
-            <a:pPr algn="l">
-              <a:buFont typeface="Arial" panose="020B0604020202020204" pitchFamily="34" charset="0"/>
-              <a:buChar char="•"/>
-            </a:pPr>
-            <a:r>
-              <a:rPr lang="en-US" b="0" i="0" dirty="0">
-                <a:solidFill>
-                  <a:srgbClr val="0D0D0D"/>
-                </a:solidFill>
-                <a:effectLst/>
-                <a:highlight>
-                  <a:srgbClr val="FFFFFF"/>
-                </a:highlight>
-                <a:latin typeface="Söhne"/>
-              </a:rPr>
-              <a:t>This code section prepares the training and testing datasets from the converted image data.</a:t>
-            </a:r>
-          </a:p>
-          <a:p>
-            <a:pPr algn="l">
-              <a:buFont typeface="Arial" panose="020B0604020202020204" pitchFamily="34" charset="0"/>
-              <a:buChar char="•"/>
-            </a:pPr>
-            <a:r>
-              <a:rPr lang="en-US" b="0" i="0" dirty="0">
-                <a:solidFill>
-                  <a:srgbClr val="0D0D0D"/>
-                </a:solidFill>
-                <a:effectLst/>
-                <a:highlight>
-                  <a:srgbClr val="FFFFFF"/>
-                </a:highlight>
-                <a:latin typeface="Söhne"/>
-              </a:rPr>
-              <a:t>It reads the CSV files containing image data from the './</a:t>
-            </a:r>
-            <a:r>
-              <a:rPr lang="en-US" b="0" i="0" dirty="0" err="1">
-                <a:solidFill>
-                  <a:srgbClr val="0D0D0D"/>
-                </a:solidFill>
-                <a:effectLst/>
-                <a:highlight>
-                  <a:srgbClr val="FFFFFF"/>
-                </a:highlight>
-                <a:latin typeface="Söhne"/>
-              </a:rPr>
-              <a:t>output_text</a:t>
-            </a:r>
-            <a:r>
-              <a:rPr lang="en-US" b="0" i="0" dirty="0">
-                <a:solidFill>
-                  <a:srgbClr val="0D0D0D"/>
-                </a:solidFill>
-                <a:effectLst/>
-                <a:highlight>
-                  <a:srgbClr val="FFFFFF"/>
-                </a:highlight>
-                <a:latin typeface="Söhne"/>
-              </a:rPr>
-              <a:t>/' directory.</a:t>
-            </a:r>
-          </a:p>
-          <a:p>
-            <a:pPr algn="l">
-              <a:buFont typeface="Arial" panose="020B0604020202020204" pitchFamily="34" charset="0"/>
-              <a:buChar char="•"/>
-            </a:pPr>
-            <a:r>
-              <a:rPr lang="en-US" b="0" i="0" dirty="0">
-                <a:solidFill>
-                  <a:srgbClr val="0D0D0D"/>
-                </a:solidFill>
-                <a:effectLst/>
-                <a:highlight>
-                  <a:srgbClr val="FFFFFF"/>
-                </a:highlight>
-                <a:latin typeface="Söhne"/>
-              </a:rPr>
-              <a:t>Rows are selected randomly for inclusion in the training dataset while ensuring a predefined ratio of training to testing data.</a:t>
-            </a:r>
-          </a:p>
-          <a:p>
-            <a:pPr algn="l">
-              <a:buFont typeface="Arial" panose="020B0604020202020204" pitchFamily="34" charset="0"/>
-              <a:buChar char="•"/>
-            </a:pPr>
-            <a:r>
-              <a:rPr lang="en-US" b="0" i="0" dirty="0">
-                <a:solidFill>
-                  <a:srgbClr val="0D0D0D"/>
-                </a:solidFill>
-                <a:effectLst/>
-                <a:highlight>
-                  <a:srgbClr val="FFFFFF"/>
-                </a:highlight>
-                <a:latin typeface="Söhne"/>
-              </a:rPr>
-              <a:t>The selected rows are used to generate the training and testing datasets, which are then saved as CSV files in the './datasets/' directory.</a:t>
-            </a:r>
-          </a:p>
-          <a:p>
-            <a:br>
-              <a:rPr lang="en-US" dirty="0"/>
-            </a:br>
-            <a:endParaRPr lang="en-TR" dirty="0"/>
-          </a:p>
-        </p:txBody>
-      </p:sp>
-      <p:pic>
-        <p:nvPicPr>
-          <p:cNvPr id="4" name="Picture 3" descr="A screen shot of a computer program&#10;&#10;Description automatically generated">
-            <a:extLst>
-              <a:ext uri="{FF2B5EF4-FFF2-40B4-BE49-F238E27FC236}">
-                <a16:creationId xmlns:a16="http://schemas.microsoft.com/office/drawing/2014/main" id="{4877D48F-B321-2352-C885-93E781676D20}"/>
-              </a:ext>
-            </a:extLst>
-          </p:cNvPr>
-          <p:cNvPicPr>
-            <a:picLocks noChangeAspect="1"/>
-          </p:cNvPicPr>
-          <p:nvPr/>
-        </p:nvPicPr>
-        <p:blipFill rotWithShape="1">
-          <a:blip r:embed="rId2"/>
-          <a:srcRect r="24439"/>
-          <a:stretch/>
-        </p:blipFill>
-        <p:spPr>
-          <a:xfrm>
-            <a:off x="0" y="0"/>
-            <a:ext cx="4189228" cy="5143500"/>
-          </a:xfrm>
-          <a:prstGeom prst="rect">
-            <a:avLst/>
-          </a:prstGeom>
-        </p:spPr>
-      </p:pic>
-    </p:spTree>
-    <p:extLst>
-      <p:ext uri="{BB962C8B-B14F-4D97-AF65-F5344CB8AC3E}">
-        <p14:creationId xmlns:p14="http://schemas.microsoft.com/office/powerpoint/2010/main" val="2957873549"/>
-      </p:ext>
-    </p:extLst>
-  </p:cSld>
-  <p:clrMapOvr>
-    <a:masterClrMapping/>
-  </p:clrMapOvr>
-</p:sld>
-</file>
-
-<file path=ppt/slides/slide11.xml><?xml version="1.0" encoding="utf-8"?>
-<p:sld xmlns:a="http://schemas.openxmlformats.org/drawingml/2006/main" xmlns:r="http://schemas.openxmlformats.org/officeDocument/2006/relationships" xmlns:p="http://schemas.openxmlformats.org/presentationml/2006/main">
-  <p:cSld>
-    <p:spTree>
-      <p:nvGrpSpPr>
-        <p:cNvPr id="1" name=""/>
-        <p:cNvGrpSpPr/>
-        <p:nvPr/>
-      </p:nvGrpSpPr>
-      <p:grpSpPr>
-        <a:xfrm>
-          <a:off x="0" y="0"/>
-          <a:ext cx="0" cy="0"/>
-          <a:chOff x="0" y="0"/>
-          <a:chExt cx="0" cy="0"/>
-        </a:xfrm>
-      </p:grpSpPr>
-      <p:sp>
-        <p:nvSpPr>
-          <p:cNvPr id="3" name="Text Placeholder 2">
-            <a:extLst>
-              <a:ext uri="{FF2B5EF4-FFF2-40B4-BE49-F238E27FC236}">
                 <a16:creationId xmlns:a16="http://schemas.microsoft.com/office/drawing/2014/main" id="{2CD445AD-4310-E4A3-F25C-29E2F54DD8BC}"/>
               </a:ext>
             </a:extLst>
@@ -5873,7 +5572,7 @@
 </p:sld>
 </file>
 
-<file path=ppt/slides/slide12.xml><?xml version="1.0" encoding="utf-8"?>
+<file path=ppt/slides/slide11.xml><?xml version="1.0" encoding="utf-8"?>
 <p:sld xmlns:a="http://schemas.openxmlformats.org/drawingml/2006/main" xmlns:r="http://schemas.openxmlformats.org/officeDocument/2006/relationships" xmlns:p="http://schemas.openxmlformats.org/presentationml/2006/main">
   <p:cSld>
     <p:spTree>
@@ -6517,7 +6216,7 @@
 </p:sld>
 </file>
 
-<file path=ppt/slides/slide13.xml><?xml version="1.0" encoding="utf-8"?>
+<file path=ppt/slides/slide12.xml><?xml version="1.0" encoding="utf-8"?>
 <p:sld xmlns:a="http://schemas.openxmlformats.org/drawingml/2006/main" xmlns:r="http://schemas.openxmlformats.org/officeDocument/2006/relationships" xmlns:p="http://schemas.openxmlformats.org/presentationml/2006/main">
   <p:cSld>
     <p:spTree>
@@ -6741,7 +6440,7 @@
 </p:sld>
 </file>
 
-<file path=ppt/slides/slide14.xml><?xml version="1.0" encoding="utf-8"?>
+<file path=ppt/slides/slide13.xml><?xml version="1.0" encoding="utf-8"?>
 <p:sld xmlns:a="http://schemas.openxmlformats.org/drawingml/2006/main" xmlns:r="http://schemas.openxmlformats.org/officeDocument/2006/relationships" xmlns:p="http://schemas.openxmlformats.org/presentationml/2006/main">
   <p:cSld>
     <p:spTree>
@@ -6986,7 +6685,7 @@
 </p:sld>
 </file>
 
-<file path=ppt/slides/slide15.xml><?xml version="1.0" encoding="utf-8"?>
+<file path=ppt/slides/slide14.xml><?xml version="1.0" encoding="utf-8"?>
 <p:sld xmlns:a="http://schemas.openxmlformats.org/drawingml/2006/main" xmlns:r="http://schemas.openxmlformats.org/officeDocument/2006/relationships" xmlns:p="http://schemas.openxmlformats.org/presentationml/2006/main">
   <p:cSld>
     <p:spTree>
@@ -7239,7 +6938,7 @@
 </p:sld>
 </file>
 
-<file path=ppt/slides/slide16.xml><?xml version="1.0" encoding="utf-8"?>
+<file path=ppt/slides/slide15.xml><?xml version="1.0" encoding="utf-8"?>
 <p:sld xmlns:a="http://schemas.openxmlformats.org/drawingml/2006/main" xmlns:r="http://schemas.openxmlformats.org/officeDocument/2006/relationships" xmlns:p="http://schemas.openxmlformats.org/presentationml/2006/main">
   <p:cSld>
     <p:spTree>
@@ -7396,7 +7095,7 @@
 </p:sld>
 </file>
 
-<file path=ppt/slides/slide17.xml><?xml version="1.0" encoding="utf-8"?>
+<file path=ppt/slides/slide16.xml><?xml version="1.0" encoding="utf-8"?>
 <p:sld xmlns:a="http://schemas.openxmlformats.org/drawingml/2006/main" xmlns:r="http://schemas.openxmlformats.org/officeDocument/2006/relationships" xmlns:p="http://schemas.openxmlformats.org/presentationml/2006/main">
   <p:cSld>
     <p:spTree>
@@ -7900,7 +7599,7 @@
 </p:sld>
 </file>
 
-<file path=ppt/slides/slide18.xml><?xml version="1.0" encoding="utf-8"?>
+<file path=ppt/slides/slide17.xml><?xml version="1.0" encoding="utf-8"?>
 <p:sld xmlns:a="http://schemas.openxmlformats.org/drawingml/2006/main" xmlns:r="http://schemas.openxmlformats.org/officeDocument/2006/relationships" xmlns:p="http://schemas.openxmlformats.org/presentationml/2006/main">
   <p:cSld>
     <p:spTree>
@@ -8411,282 +8110,6 @@
   <p:cSld>
     <p:spTree>
       <p:nvGrpSpPr>
-        <p:cNvPr id="1" name="Shape 59"/>
-        <p:cNvGrpSpPr/>
-        <p:nvPr/>
-      </p:nvGrpSpPr>
-      <p:grpSpPr>
-        <a:xfrm>
-          <a:off x="0" y="0"/>
-          <a:ext cx="0" cy="0"/>
-          <a:chOff x="0" y="0"/>
-          <a:chExt cx="0" cy="0"/>
-        </a:xfrm>
-      </p:grpSpPr>
-      <p:sp>
-        <p:nvSpPr>
-          <p:cNvPr id="60" name="Google Shape;60;p14"/>
-          <p:cNvSpPr txBox="1">
-            <a:spLocks noGrp="1"/>
-          </p:cNvSpPr>
-          <p:nvPr>
-            <p:ph type="title"/>
-          </p:nvPr>
-        </p:nvSpPr>
-        <p:spPr>
-          <a:prstGeom prst="rect">
-            <a:avLst/>
-          </a:prstGeom>
-        </p:spPr>
-        <p:txBody>
-          <a:bodyPr spcFirstLastPara="1" wrap="square" lIns="91425" tIns="91425" rIns="91425" bIns="91425" anchor="t" anchorCtr="0">
-            <a:normAutofit fontScale="90000"/>
-          </a:bodyPr>
-          <a:lstStyle/>
-          <a:p>
-            <a:pPr marL="0" lvl="0" indent="0" algn="l" rtl="0">
-              <a:spcBef>
-                <a:spcPts val="0"/>
-              </a:spcBef>
-              <a:spcAft>
-                <a:spcPts val="0"/>
-              </a:spcAft>
-              <a:buNone/>
-            </a:pPr>
-            <a:r>
-              <a:rPr lang="en" dirty="0"/>
-              <a:t>Agenda (1 slide)</a:t>
-            </a:r>
-            <a:endParaRPr dirty="0"/>
-          </a:p>
-        </p:txBody>
-      </p:sp>
-      <p:sp>
-        <p:nvSpPr>
-          <p:cNvPr id="61" name="Google Shape;61;p14"/>
-          <p:cNvSpPr txBox="1">
-            <a:spLocks noGrp="1"/>
-          </p:cNvSpPr>
-          <p:nvPr>
-            <p:ph type="body" idx="1"/>
-          </p:nvPr>
-        </p:nvSpPr>
-        <p:spPr>
-          <a:prstGeom prst="rect">
-            <a:avLst/>
-          </a:prstGeom>
-        </p:spPr>
-        <p:txBody>
-          <a:bodyPr spcFirstLastPara="1" wrap="square" lIns="91425" tIns="91425" rIns="91425" bIns="91425" anchor="t" anchorCtr="0">
-            <a:normAutofit fontScale="62500" lnSpcReduction="20000"/>
-          </a:bodyPr>
-          <a:lstStyle/>
-          <a:p>
-            <a:pPr marL="0" lvl="0" indent="0" algn="l" rtl="0">
-              <a:spcBef>
-                <a:spcPts val="0"/>
-              </a:spcBef>
-              <a:spcAft>
-                <a:spcPts val="0"/>
-              </a:spcAft>
-              <a:buNone/>
-            </a:pPr>
-            <a:r>
-              <a:rPr lang="en"/>
-              <a:t>Introduction</a:t>
-            </a:r>
-            <a:endParaRPr/>
-          </a:p>
-          <a:p>
-            <a:pPr marL="0" lvl="0" indent="457200" algn="l" rtl="0">
-              <a:spcBef>
-                <a:spcPts val="1200"/>
-              </a:spcBef>
-              <a:spcAft>
-                <a:spcPts val="0"/>
-              </a:spcAft>
-              <a:buClr>
-                <a:schemeClr val="dk1"/>
-              </a:buClr>
-              <a:buSzPct val="61111"/>
-              <a:buFont typeface="Arial"/>
-              <a:buNone/>
-            </a:pPr>
-            <a:r>
-              <a:rPr lang="en"/>
-              <a:t>&lt;titles/themes present on/in the slides in this item&gt;</a:t>
-            </a:r>
-            <a:endParaRPr/>
-          </a:p>
-          <a:p>
-            <a:pPr marL="0" lvl="0" indent="0" algn="l" rtl="0">
-              <a:spcBef>
-                <a:spcPts val="1200"/>
-              </a:spcBef>
-              <a:spcAft>
-                <a:spcPts val="0"/>
-              </a:spcAft>
-              <a:buNone/>
-            </a:pPr>
-            <a:r>
-              <a:rPr lang="en"/>
-              <a:t>Work Operation</a:t>
-            </a:r>
-            <a:endParaRPr/>
-          </a:p>
-          <a:p>
-            <a:pPr marL="0" lvl="0" indent="0" algn="l" rtl="0">
-              <a:spcBef>
-                <a:spcPts val="1200"/>
-              </a:spcBef>
-              <a:spcAft>
-                <a:spcPts val="0"/>
-              </a:spcAft>
-              <a:buNone/>
-            </a:pPr>
-            <a:r>
-              <a:rPr lang="en"/>
-              <a:t>&lt;titles/themes present on/in the slides in this item&gt;</a:t>
-            </a:r>
-            <a:endParaRPr/>
-          </a:p>
-          <a:p>
-            <a:pPr marL="0" lvl="0" indent="0" algn="l" rtl="0">
-              <a:spcBef>
-                <a:spcPts val="1200"/>
-              </a:spcBef>
-              <a:spcAft>
-                <a:spcPts val="0"/>
-              </a:spcAft>
-              <a:buNone/>
-            </a:pPr>
-            <a:r>
-              <a:rPr lang="en"/>
-              <a:t>Chosen AI Model</a:t>
-            </a:r>
-            <a:endParaRPr/>
-          </a:p>
-          <a:p>
-            <a:pPr marL="0" lvl="0" indent="457200" algn="l" rtl="0">
-              <a:spcBef>
-                <a:spcPts val="1200"/>
-              </a:spcBef>
-              <a:spcAft>
-                <a:spcPts val="0"/>
-              </a:spcAft>
-              <a:buClr>
-                <a:schemeClr val="dk1"/>
-              </a:buClr>
-              <a:buSzPct val="61111"/>
-              <a:buFont typeface="Arial"/>
-              <a:buNone/>
-            </a:pPr>
-            <a:r>
-              <a:rPr lang="en"/>
-              <a:t>&lt;titles/themes present on/in the slides in this item&gt;</a:t>
-            </a:r>
-            <a:endParaRPr/>
-          </a:p>
-          <a:p>
-            <a:pPr marL="0" lvl="0" indent="0" algn="l" rtl="0">
-              <a:spcBef>
-                <a:spcPts val="1200"/>
-              </a:spcBef>
-              <a:spcAft>
-                <a:spcPts val="0"/>
-              </a:spcAft>
-              <a:buNone/>
-            </a:pPr>
-            <a:r>
-              <a:rPr lang="en"/>
-              <a:t>Production use</a:t>
-            </a:r>
-            <a:endParaRPr/>
-          </a:p>
-          <a:p>
-            <a:pPr marL="0" lvl="0" indent="457200" algn="l" rtl="0">
-              <a:spcBef>
-                <a:spcPts val="1200"/>
-              </a:spcBef>
-              <a:spcAft>
-                <a:spcPts val="0"/>
-              </a:spcAft>
-              <a:buClr>
-                <a:schemeClr val="dk1"/>
-              </a:buClr>
-              <a:buSzPct val="61111"/>
-              <a:buFont typeface="Arial"/>
-              <a:buNone/>
-            </a:pPr>
-            <a:r>
-              <a:rPr lang="en"/>
-              <a:t>&lt;titles/themes present on/in the slides in this item&gt;</a:t>
-            </a:r>
-            <a:endParaRPr/>
-          </a:p>
-          <a:p>
-            <a:pPr marL="0" lvl="0" indent="0" algn="l" rtl="0">
-              <a:spcBef>
-                <a:spcPts val="1200"/>
-              </a:spcBef>
-              <a:spcAft>
-                <a:spcPts val="0"/>
-              </a:spcAft>
-              <a:buNone/>
-            </a:pPr>
-            <a:r>
-              <a:rPr lang="en"/>
-              <a:t>Conclusion and Future Work</a:t>
-            </a:r>
-            <a:endParaRPr/>
-          </a:p>
-          <a:p>
-            <a:pPr marL="0" lvl="0" indent="0" algn="l" rtl="0">
-              <a:spcBef>
-                <a:spcPts val="1200"/>
-              </a:spcBef>
-              <a:spcAft>
-                <a:spcPts val="0"/>
-              </a:spcAft>
-              <a:buNone/>
-            </a:pPr>
-            <a:r>
-              <a:rPr lang="en"/>
-              <a:t>&lt;titles/themes present on/in the slides in this item&gt;</a:t>
-            </a:r>
-            <a:endParaRPr/>
-          </a:p>
-          <a:p>
-            <a:pPr marL="0" lvl="0" indent="0" algn="l" rtl="0">
-              <a:spcBef>
-                <a:spcPts val="1200"/>
-              </a:spcBef>
-              <a:spcAft>
-                <a:spcPts val="1200"/>
-              </a:spcAft>
-              <a:buNone/>
-            </a:pPr>
-            <a:r>
-              <a:rPr lang="en"/>
-              <a:t>References</a:t>
-            </a:r>
-            <a:endParaRPr/>
-          </a:p>
-        </p:txBody>
-      </p:sp>
-    </p:spTree>
-  </p:cSld>
-  <p:clrMapOvr>
-    <a:masterClrMapping/>
-  </p:clrMapOvr>
-</p:sld>
-</file>
-
-<file path=ppt/slides/slide3.xml><?xml version="1.0" encoding="utf-8"?>
-<p:sld xmlns:a="http://schemas.openxmlformats.org/drawingml/2006/main" xmlns:r="http://schemas.openxmlformats.org/officeDocument/2006/relationships" xmlns:p="http://schemas.openxmlformats.org/presentationml/2006/main">
-  <p:cSld>
-    <p:spTree>
-      <p:nvGrpSpPr>
         <p:cNvPr id="1" name=""/>
         <p:cNvGrpSpPr/>
         <p:nvPr/>
@@ -8827,7 +8250,7 @@
 </p:sld>
 </file>
 
-<file path=ppt/slides/slide4.xml><?xml version="1.0" encoding="utf-8"?>
+<file path=ppt/slides/slide3.xml><?xml version="1.0" encoding="utf-8"?>
 <p:sld xmlns:a="http://schemas.openxmlformats.org/drawingml/2006/main" xmlns:r="http://schemas.openxmlformats.org/officeDocument/2006/relationships" xmlns:p="http://schemas.openxmlformats.org/presentationml/2006/main">
   <p:cSld>
     <p:spTree>
@@ -9223,7 +8646,7 @@
 </p:sld>
 </file>
 
-<file path=ppt/slides/slide5.xml><?xml version="1.0" encoding="utf-8"?>
+<file path=ppt/slides/slide4.xml><?xml version="1.0" encoding="utf-8"?>
 <p:sld xmlns:a="http://schemas.openxmlformats.org/drawingml/2006/main" xmlns:r="http://schemas.openxmlformats.org/officeDocument/2006/relationships" xmlns:p="http://schemas.openxmlformats.org/presentationml/2006/main">
   <p:cSld>
     <p:spTree>
@@ -9313,7 +8736,7 @@
 </p:sld>
 </file>
 
-<file path=ppt/slides/slide6.xml><?xml version="1.0" encoding="utf-8"?>
+<file path=ppt/slides/slide5.xml><?xml version="1.0" encoding="utf-8"?>
 <p:sld xmlns:a="http://schemas.openxmlformats.org/drawingml/2006/main" xmlns:r="http://schemas.openxmlformats.org/officeDocument/2006/relationships" xmlns:p="http://schemas.openxmlformats.org/presentationml/2006/main">
   <p:cSld>
     <p:spTree>
@@ -9368,7 +8791,7 @@
 </p:sld>
 </file>
 
-<file path=ppt/slides/slide7.xml><?xml version="1.0" encoding="utf-8"?>
+<file path=ppt/slides/slide6.xml><?xml version="1.0" encoding="utf-8"?>
 <p:sld xmlns:a="http://schemas.openxmlformats.org/drawingml/2006/main" xmlns:r="http://schemas.openxmlformats.org/officeDocument/2006/relationships" xmlns:p="http://schemas.openxmlformats.org/presentationml/2006/main">
   <p:cSld>
     <p:spTree>
@@ -9744,7 +9167,7 @@
 </p:sld>
 </file>
 
-<file path=ppt/slides/slide8.xml><?xml version="1.0" encoding="utf-8"?>
+<file path=ppt/slides/slide7.xml><?xml version="1.0" encoding="utf-8"?>
 <p:sld xmlns:a="http://schemas.openxmlformats.org/drawingml/2006/main" xmlns:r="http://schemas.openxmlformats.org/officeDocument/2006/relationships" xmlns:p="http://schemas.openxmlformats.org/presentationml/2006/main">
   <p:cSld>
     <p:spTree>
@@ -9913,7 +9336,7 @@
 </p:sld>
 </file>
 
-<file path=ppt/slides/slide9.xml><?xml version="1.0" encoding="utf-8"?>
+<file path=ppt/slides/slide8.xml><?xml version="1.0" encoding="utf-8"?>
 <p:sld xmlns:a="http://schemas.openxmlformats.org/drawingml/2006/main" xmlns:r="http://schemas.openxmlformats.org/officeDocument/2006/relationships" xmlns:p="http://schemas.openxmlformats.org/presentationml/2006/main">
   <p:cSld>
     <p:spTree>
@@ -10050,6 +9473,202 @@
     <p:extLst>
       <p:ext uri="{BB962C8B-B14F-4D97-AF65-F5344CB8AC3E}">
         <p14:creationId xmlns:p14="http://schemas.microsoft.com/office/powerpoint/2010/main" val="2918374375"/>
+      </p:ext>
+    </p:extLst>
+  </p:cSld>
+  <p:clrMapOvr>
+    <a:masterClrMapping/>
+  </p:clrMapOvr>
+</p:sld>
+</file>
+
+<file path=ppt/slides/slide9.xml><?xml version="1.0" encoding="utf-8"?>
+<p:sld xmlns:a="http://schemas.openxmlformats.org/drawingml/2006/main" xmlns:r="http://schemas.openxmlformats.org/officeDocument/2006/relationships" xmlns:p="http://schemas.openxmlformats.org/presentationml/2006/main">
+  <p:cSld>
+    <p:spTree>
+      <p:nvGrpSpPr>
+        <p:cNvPr id="1" name=""/>
+        <p:cNvGrpSpPr/>
+        <p:nvPr/>
+      </p:nvGrpSpPr>
+      <p:grpSpPr>
+        <a:xfrm>
+          <a:off x="0" y="0"/>
+          <a:ext cx="0" cy="0"/>
+          <a:chOff x="0" y="0"/>
+          <a:chExt cx="0" cy="0"/>
+        </a:xfrm>
+      </p:grpSpPr>
+      <p:sp>
+        <p:nvSpPr>
+          <p:cNvPr id="3" name="Text Placeholder 2">
+            <a:extLst>
+              <a:ext uri="{FF2B5EF4-FFF2-40B4-BE49-F238E27FC236}">
+                <a16:creationId xmlns:a16="http://schemas.microsoft.com/office/drawing/2014/main" id="{8011522A-8681-48B8-FCA0-55DF9A4329DC}"/>
+              </a:ext>
+            </a:extLst>
+          </p:cNvPr>
+          <p:cNvSpPr>
+            <a:spLocks noGrp="1"/>
+          </p:cNvSpPr>
+          <p:nvPr>
+            <p:ph type="body" idx="1"/>
+          </p:nvPr>
+        </p:nvSpPr>
+        <p:spPr>
+          <a:xfrm>
+            <a:off x="4500928" y="546419"/>
+            <a:ext cx="4260300" cy="3416400"/>
+          </a:xfrm>
+        </p:spPr>
+        <p:txBody>
+          <a:bodyPr>
+            <a:normAutofit fontScale="85000" lnSpcReduction="20000"/>
+          </a:bodyPr>
+          <a:lstStyle/>
+          <a:p>
+            <a:pPr algn="l">
+              <a:buFont typeface="Arial" panose="020B0604020202020204" pitchFamily="34" charset="0"/>
+              <a:buChar char="•"/>
+            </a:pPr>
+            <a:r>
+              <a:rPr lang="en-US" b="0" i="0" dirty="0">
+                <a:solidFill>
+                  <a:srgbClr val="0D0D0D"/>
+                </a:solidFill>
+                <a:effectLst/>
+                <a:highlight>
+                  <a:srgbClr val="FFFFFF"/>
+                </a:highlight>
+                <a:latin typeface="Söhne"/>
+              </a:rPr>
+              <a:t>This code section prepares the training and testing datasets from the converted image data.</a:t>
+            </a:r>
+          </a:p>
+          <a:p>
+            <a:pPr algn="l">
+              <a:buFont typeface="Arial" panose="020B0604020202020204" pitchFamily="34" charset="0"/>
+              <a:buChar char="•"/>
+            </a:pPr>
+            <a:r>
+              <a:rPr lang="en-US" b="0" i="0" dirty="0">
+                <a:solidFill>
+                  <a:srgbClr val="0D0D0D"/>
+                </a:solidFill>
+                <a:effectLst/>
+                <a:highlight>
+                  <a:srgbClr val="FFFFFF"/>
+                </a:highlight>
+                <a:latin typeface="Söhne"/>
+              </a:rPr>
+              <a:t>It reads the CSV files containing image data from the './</a:t>
+            </a:r>
+            <a:r>
+              <a:rPr lang="en-US" b="0" i="0" dirty="0" err="1">
+                <a:solidFill>
+                  <a:srgbClr val="0D0D0D"/>
+                </a:solidFill>
+                <a:effectLst/>
+                <a:highlight>
+                  <a:srgbClr val="FFFFFF"/>
+                </a:highlight>
+                <a:latin typeface="Söhne"/>
+              </a:rPr>
+              <a:t>output_text</a:t>
+            </a:r>
+            <a:r>
+              <a:rPr lang="en-US" b="0" i="0" dirty="0">
+                <a:solidFill>
+                  <a:srgbClr val="0D0D0D"/>
+                </a:solidFill>
+                <a:effectLst/>
+                <a:highlight>
+                  <a:srgbClr val="FFFFFF"/>
+                </a:highlight>
+                <a:latin typeface="Söhne"/>
+              </a:rPr>
+              <a:t>/' directory.</a:t>
+            </a:r>
+          </a:p>
+          <a:p>
+            <a:pPr algn="l">
+              <a:buFont typeface="Arial" panose="020B0604020202020204" pitchFamily="34" charset="0"/>
+              <a:buChar char="•"/>
+            </a:pPr>
+            <a:r>
+              <a:rPr lang="en-US" b="0" i="0" dirty="0">
+                <a:solidFill>
+                  <a:srgbClr val="0D0D0D"/>
+                </a:solidFill>
+                <a:effectLst/>
+                <a:highlight>
+                  <a:srgbClr val="FFFFFF"/>
+                </a:highlight>
+                <a:latin typeface="Söhne"/>
+              </a:rPr>
+              <a:t>Rows are selected randomly for inclusion in the training dataset while ensuring a predefined ratio of training to testing data.</a:t>
+            </a:r>
+          </a:p>
+          <a:p>
+            <a:pPr algn="l">
+              <a:buFont typeface="Arial" panose="020B0604020202020204" pitchFamily="34" charset="0"/>
+              <a:buChar char="•"/>
+            </a:pPr>
+            <a:r>
+              <a:rPr lang="en-US" b="0" i="0" dirty="0">
+                <a:solidFill>
+                  <a:srgbClr val="0D0D0D"/>
+                </a:solidFill>
+                <a:effectLst/>
+                <a:highlight>
+                  <a:srgbClr val="FFFFFF"/>
+                </a:highlight>
+                <a:latin typeface="Söhne"/>
+              </a:rPr>
+              <a:t>The selected rows are used to generate the training and testing datasets, which are then saved as CSV files in the './datasets/' directory.</a:t>
+            </a:r>
+          </a:p>
+          <a:p>
+            <a:br>
+              <a:rPr lang="en-US" dirty="0"/>
+            </a:br>
+            <a:endParaRPr lang="en-TR" dirty="0"/>
+          </a:p>
+        </p:txBody>
+      </p:sp>
+      <p:pic>
+        <p:nvPicPr>
+          <p:cNvPr id="4" name="Picture 3" descr="A screen shot of a computer program&#10;&#10;Description automatically generated">
+            <a:extLst>
+              <a:ext uri="{FF2B5EF4-FFF2-40B4-BE49-F238E27FC236}">
+                <a16:creationId xmlns:a16="http://schemas.microsoft.com/office/drawing/2014/main" id="{4877D48F-B321-2352-C885-93E781676D20}"/>
+              </a:ext>
+            </a:extLst>
+          </p:cNvPr>
+          <p:cNvPicPr>
+            <a:picLocks noChangeAspect="1"/>
+          </p:cNvPicPr>
+          <p:nvPr/>
+        </p:nvPicPr>
+        <p:blipFill rotWithShape="1">
+          <a:blip r:embed="rId2"/>
+          <a:srcRect r="24439"/>
+          <a:stretch/>
+        </p:blipFill>
+        <p:spPr>
+          <a:xfrm>
+            <a:off x="0" y="0"/>
+            <a:ext cx="4189228" cy="5143500"/>
+          </a:xfrm>
+          <a:prstGeom prst="rect">
+            <a:avLst/>
+          </a:prstGeom>
+        </p:spPr>
+      </p:pic>
+    </p:spTree>
+    <p:extLst>
+      <p:ext uri="{BB962C8B-B14F-4D97-AF65-F5344CB8AC3E}">
+        <p14:creationId xmlns:p14="http://schemas.microsoft.com/office/powerpoint/2010/main" val="2957873549"/>
       </p:ext>
     </p:extLst>
   </p:cSld>
